--- a/text/Игра 2048.pptx
+++ b/text/Игра 2048.pptx
@@ -113,6 +113,11 @@
       </a:defRPr>
     </a:lvl9pPr>
   </p:defaultTextStyle>
+  <p:extLst>
+    <p:ext uri="{EFAFB233-063F-42B5-8137-9DF3F51BA10A}">
+      <p15:sldGuideLst xmlns:p15="http://schemas.microsoft.com/office/powerpoint/2012/main"/>
+    </p:ext>
+  </p:extLst>
 </p:presentation>
 </file>
 
@@ -302,7 +307,7 @@
           <a:p>
             <a:fld id="{E5E2130C-8E7F-4D67-82AA-62733186D087}" type="datetimeFigureOut">
               <a:rPr lang="ru-RU" smtClean="0"/>
-              <a:t>28.01.2022</a:t>
+              <a:t>06.02.2022</a:t>
             </a:fld>
             <a:endParaRPr lang="ru-RU"/>
           </a:p>
@@ -577,7 +582,7 @@
           <a:p>
             <a:fld id="{E5E2130C-8E7F-4D67-82AA-62733186D087}" type="datetimeFigureOut">
               <a:rPr lang="ru-RU" smtClean="0"/>
-              <a:t>28.01.2022</a:t>
+              <a:t>06.02.2022</a:t>
             </a:fld>
             <a:endParaRPr lang="ru-RU"/>
           </a:p>
@@ -771,7 +776,7 @@
           <a:p>
             <a:fld id="{E5E2130C-8E7F-4D67-82AA-62733186D087}" type="datetimeFigureOut">
               <a:rPr lang="ru-RU" smtClean="0"/>
-              <a:t>28.01.2022</a:t>
+              <a:t>06.02.2022</a:t>
             </a:fld>
             <a:endParaRPr lang="ru-RU"/>
           </a:p>
@@ -1044,7 +1049,7 @@
           <a:p>
             <a:fld id="{E5E2130C-8E7F-4D67-82AA-62733186D087}" type="datetimeFigureOut">
               <a:rPr lang="ru-RU" smtClean="0"/>
-              <a:t>28.01.2022</a:t>
+              <a:t>06.02.2022</a:t>
             </a:fld>
             <a:endParaRPr lang="ru-RU"/>
           </a:p>
@@ -1385,7 +1390,7 @@
           <a:p>
             <a:fld id="{E5E2130C-8E7F-4D67-82AA-62733186D087}" type="datetimeFigureOut">
               <a:rPr lang="ru-RU" smtClean="0"/>
-              <a:t>28.01.2022</a:t>
+              <a:t>06.02.2022</a:t>
             </a:fld>
             <a:endParaRPr lang="ru-RU"/>
           </a:p>
@@ -2008,7 +2013,7 @@
           <a:p>
             <a:fld id="{E5E2130C-8E7F-4D67-82AA-62733186D087}" type="datetimeFigureOut">
               <a:rPr lang="ru-RU" smtClean="0"/>
-              <a:t>28.01.2022</a:t>
+              <a:t>06.02.2022</a:t>
             </a:fld>
             <a:endParaRPr lang="ru-RU"/>
           </a:p>
@@ -2868,7 +2873,7 @@
           <a:p>
             <a:fld id="{E5E2130C-8E7F-4D67-82AA-62733186D087}" type="datetimeFigureOut">
               <a:rPr lang="ru-RU" smtClean="0"/>
-              <a:t>28.01.2022</a:t>
+              <a:t>06.02.2022</a:t>
             </a:fld>
             <a:endParaRPr lang="ru-RU"/>
           </a:p>
@@ -3038,7 +3043,7 @@
           <a:p>
             <a:fld id="{E5E2130C-8E7F-4D67-82AA-62733186D087}" type="datetimeFigureOut">
               <a:rPr lang="ru-RU" smtClean="0"/>
-              <a:t>28.01.2022</a:t>
+              <a:t>06.02.2022</a:t>
             </a:fld>
             <a:endParaRPr lang="ru-RU"/>
           </a:p>
@@ -3218,7 +3223,7 @@
           <a:p>
             <a:fld id="{E5E2130C-8E7F-4D67-82AA-62733186D087}" type="datetimeFigureOut">
               <a:rPr lang="ru-RU" smtClean="0"/>
-              <a:t>28.01.2022</a:t>
+              <a:t>06.02.2022</a:t>
             </a:fld>
             <a:endParaRPr lang="ru-RU"/>
           </a:p>
@@ -3388,7 +3393,7 @@
           <a:p>
             <a:fld id="{E5E2130C-8E7F-4D67-82AA-62733186D087}" type="datetimeFigureOut">
               <a:rPr lang="ru-RU" smtClean="0"/>
-              <a:t>28.01.2022</a:t>
+              <a:t>06.02.2022</a:t>
             </a:fld>
             <a:endParaRPr lang="ru-RU"/>
           </a:p>
@@ -3635,7 +3640,7 @@
           <a:p>
             <a:fld id="{E5E2130C-8E7F-4D67-82AA-62733186D087}" type="datetimeFigureOut">
               <a:rPr lang="ru-RU" smtClean="0"/>
-              <a:t>28.01.2022</a:t>
+              <a:t>06.02.2022</a:t>
             </a:fld>
             <a:endParaRPr lang="ru-RU"/>
           </a:p>
@@ -3927,7 +3932,7 @@
           <a:p>
             <a:fld id="{E5E2130C-8E7F-4D67-82AA-62733186D087}" type="datetimeFigureOut">
               <a:rPr lang="ru-RU" smtClean="0"/>
-              <a:t>28.01.2022</a:t>
+              <a:t>06.02.2022</a:t>
             </a:fld>
             <a:endParaRPr lang="ru-RU"/>
           </a:p>
@@ -4371,7 +4376,7 @@
           <a:p>
             <a:fld id="{E5E2130C-8E7F-4D67-82AA-62733186D087}" type="datetimeFigureOut">
               <a:rPr lang="ru-RU" smtClean="0"/>
-              <a:t>28.01.2022</a:t>
+              <a:t>06.02.2022</a:t>
             </a:fld>
             <a:endParaRPr lang="ru-RU"/>
           </a:p>
@@ -4489,7 +4494,7 @@
           <a:p>
             <a:fld id="{E5E2130C-8E7F-4D67-82AA-62733186D087}" type="datetimeFigureOut">
               <a:rPr lang="ru-RU" smtClean="0"/>
-              <a:t>28.01.2022</a:t>
+              <a:t>06.02.2022</a:t>
             </a:fld>
             <a:endParaRPr lang="ru-RU"/>
           </a:p>
@@ -4584,7 +4589,7 @@
           <a:p>
             <a:fld id="{E5E2130C-8E7F-4D67-82AA-62733186D087}" type="datetimeFigureOut">
               <a:rPr lang="ru-RU" smtClean="0"/>
-              <a:t>28.01.2022</a:t>
+              <a:t>06.02.2022</a:t>
             </a:fld>
             <a:endParaRPr lang="ru-RU"/>
           </a:p>
@@ -4863,7 +4868,7 @@
           <a:p>
             <a:fld id="{E5E2130C-8E7F-4D67-82AA-62733186D087}" type="datetimeFigureOut">
               <a:rPr lang="ru-RU" smtClean="0"/>
-              <a:t>28.01.2022</a:t>
+              <a:t>06.02.2022</a:t>
             </a:fld>
             <a:endParaRPr lang="ru-RU"/>
           </a:p>
@@ -5138,7 +5143,7 @@
           <a:p>
             <a:fld id="{E5E2130C-8E7F-4D67-82AA-62733186D087}" type="datetimeFigureOut">
               <a:rPr lang="ru-RU" smtClean="0"/>
-              <a:t>28.01.2022</a:t>
+              <a:t>06.02.2022</a:t>
             </a:fld>
             <a:endParaRPr lang="ru-RU"/>
           </a:p>
@@ -5567,7 +5572,7 @@
           <a:p>
             <a:fld id="{E5E2130C-8E7F-4D67-82AA-62733186D087}" type="datetimeFigureOut">
               <a:rPr lang="ru-RU" smtClean="0"/>
-              <a:t>28.01.2022</a:t>
+              <a:t>06.02.2022</a:t>
             </a:fld>
             <a:endParaRPr lang="ru-RU"/>
           </a:p>
@@ -6347,7 +6352,7 @@
           <a:p>
             <a:r>
               <a:rPr lang="ru-RU" dirty="0"/>
-              <a:t>Это Игра, а значит она создана для потери лишнего времени и развлечения. А так  игра развивания степени 2 и для координации.</a:t>
+              <a:t>Это Игра, а значит она создана для потери лишнего времени и развлечения, А так же  игра развивает знание степени 2 и координацию.</a:t>
             </a:r>
           </a:p>
         </p:txBody>
@@ -6654,13 +6659,13 @@
         </p:spPr>
         <p:txBody>
           <a:bodyPr>
-            <a:normAutofit fontScale="92500" lnSpcReduction="10000"/>
+            <a:normAutofit/>
           </a:bodyPr>
           <a:lstStyle/>
           <a:p>
             <a:r>
               <a:rPr lang="ru-RU" sz="2400" dirty="0"/>
-              <a:t>Первым шагом я сделал </a:t>
+              <a:t>1) </a:t>
             </a:r>
             <a:r>
               <a:rPr lang="en-US" sz="2400" dirty="0"/>
@@ -6674,7 +6679,7 @@
           <a:p>
             <a:r>
               <a:rPr lang="ru-RU" sz="2400" dirty="0"/>
-              <a:t>Вторым шагом реализовал </a:t>
+              <a:t>2) </a:t>
             </a:r>
             <a:r>
               <a:rPr lang="en-US" sz="2400" dirty="0"/>
@@ -6688,7 +6693,7 @@
           <a:p>
             <a:r>
               <a:rPr lang="ru-RU" sz="2400" dirty="0"/>
-              <a:t>Третьим шагом реализовал </a:t>
+              <a:t>3) </a:t>
             </a:r>
             <a:r>
               <a:rPr lang="en-US" sz="2400" dirty="0"/>
@@ -6702,7 +6707,7 @@
           <a:p>
             <a:r>
               <a:rPr lang="ru-RU" sz="2400" dirty="0"/>
-              <a:t>Четвертым шагом я сделал </a:t>
+              <a:t>4) </a:t>
             </a:r>
             <a:r>
               <a:rPr lang="en-US" sz="2400" dirty="0"/>
@@ -6716,7 +6721,7 @@
           <a:p>
             <a:r>
               <a:rPr lang="ru-RU" sz="2400" dirty="0"/>
-              <a:t>Пятым шагом я сделал </a:t>
+              <a:t>5) </a:t>
             </a:r>
             <a:r>
               <a:rPr lang="en-US" sz="2400" dirty="0"/>
@@ -6730,7 +6735,7 @@
           <a:p>
             <a:r>
               <a:rPr lang="ru-RU" sz="2400" dirty="0"/>
-              <a:t>Шестым шагом я реализовал </a:t>
+              <a:t>6) </a:t>
             </a:r>
             <a:r>
               <a:rPr lang="en-US" sz="2400" dirty="0"/>
@@ -6744,15 +6749,7 @@
           <a:p>
             <a:r>
               <a:rPr lang="ru-RU" sz="2400" dirty="0"/>
-              <a:t>Седьмым шагом</a:t>
-            </a:r>
-            <a:r>
-              <a:rPr lang="en-US" sz="2400" dirty="0"/>
-              <a:t> </a:t>
-            </a:r>
-            <a:r>
-              <a:rPr lang="ru-RU" sz="2400" dirty="0"/>
-              <a:t>я сделал </a:t>
+              <a:t>7) </a:t>
             </a:r>
             <a:r>
               <a:rPr lang="en-US" sz="2400" dirty="0"/>
@@ -6766,7 +6763,7 @@
           <a:p>
             <a:r>
               <a:rPr lang="ru-RU" sz="2400" dirty="0"/>
-              <a:t>Восьмым шагом я реализовал </a:t>
+              <a:t>8) </a:t>
             </a:r>
             <a:r>
               <a:rPr lang="en-US" sz="2400" dirty="0"/>
